--- a/Slide_ITSA_Basics/ITSA Basics_01_05.pptx
+++ b/Slide_ITSA_Basics/ITSA Basics_01_05.pptx
@@ -115,6 +115,11 @@
       </a:defRPr>
     </a:lvl9pPr>
   </p:defaultTextStyle>
+  <p:extLst>
+    <p:ext uri="{EFAFB233-063F-42B5-8137-9DF3F51BA10A}">
+      <p15:sldGuideLst xmlns:p15="http://schemas.microsoft.com/office/powerpoint/2012/main"/>
+    </p:ext>
+  </p:extLst>
 </p:presentation>
 </file>
 
@@ -16254,7 +16259,7 @@
           <a:p>
             <a:fld id="{F6FA2B21-3FCD-4721-B95C-427943F61125}" type="datetime1">
               <a:rPr lang="en-US" smtClean="0"/>
-              <a:t>6/30/19</a:t>
+              <a:t>7/20/19</a:t>
             </a:fld>
             <a:endParaRPr lang="en-US"/>
           </a:p>
@@ -16434,7 +16439,7 @@
           <a:p>
             <a:fld id="{F6FA2B21-3FCD-4721-B95C-427943F61125}" type="datetime1">
               <a:rPr lang="en-US" smtClean="0"/>
-              <a:t>6/30/19</a:t>
+              <a:t>7/20/19</a:t>
             </a:fld>
             <a:endParaRPr lang="en-US"/>
           </a:p>
@@ -16615,7 +16620,7 @@
           <a:p>
             <a:fld id="{F6FA2B21-3FCD-4721-B95C-427943F61125}" type="datetime1">
               <a:rPr lang="en-US" smtClean="0"/>
-              <a:t>6/30/19</a:t>
+              <a:t>7/20/19</a:t>
             </a:fld>
             <a:endParaRPr lang="en-US"/>
           </a:p>
@@ -16786,7 +16791,7 @@
           <a:p>
             <a:fld id="{F6FA2B21-3FCD-4721-B95C-427943F61125}" type="datetime1">
               <a:rPr lang="en-US" smtClean="0"/>
-              <a:t>6/30/19</a:t>
+              <a:t>7/20/19</a:t>
             </a:fld>
             <a:endParaRPr lang="en-US"/>
           </a:p>
@@ -17108,7 +17113,7 @@
           <a:p>
             <a:fld id="{F6FA2B21-3FCD-4721-B95C-427943F61125}" type="datetime1">
               <a:rPr lang="en-US" smtClean="0"/>
-              <a:t>6/30/19</a:t>
+              <a:t>7/20/19</a:t>
             </a:fld>
             <a:endParaRPr lang="en-US"/>
           </a:p>
@@ -17569,7 +17574,7 @@
           <a:p>
             <a:fld id="{F6FA2B21-3FCD-4721-B95C-427943F61125}" type="datetime1">
               <a:rPr lang="en-US" smtClean="0"/>
-              <a:t>6/30/19</a:t>
+              <a:t>7/20/19</a:t>
             </a:fld>
             <a:endParaRPr lang="en-US"/>
           </a:p>
@@ -17981,7 +17986,7 @@
           <a:p>
             <a:fld id="{F6FA2B21-3FCD-4721-B95C-427943F61125}" type="datetime1">
               <a:rPr lang="en-US" smtClean="0"/>
-              <a:t>6/30/19</a:t>
+              <a:t>7/20/19</a:t>
             </a:fld>
             <a:endParaRPr lang="en-US"/>
           </a:p>
@@ -18100,7 +18105,7 @@
           <a:p>
             <a:fld id="{F6FA2B21-3FCD-4721-B95C-427943F61125}" type="datetime1">
               <a:rPr lang="en-US" smtClean="0"/>
-              <a:t>6/30/19</a:t>
+              <a:t>7/20/19</a:t>
             </a:fld>
             <a:endParaRPr lang="en-US"/>
           </a:p>
@@ -18219,7 +18224,7 @@
           <a:p>
             <a:fld id="{F6FA2B21-3FCD-4721-B95C-427943F61125}" type="datetime1">
               <a:rPr lang="en-US" smtClean="0"/>
-              <a:t>6/30/19</a:t>
+              <a:t>7/20/19</a:t>
             </a:fld>
             <a:endParaRPr lang="en-US"/>
           </a:p>
@@ -18578,7 +18583,7 @@
           <a:p>
             <a:fld id="{F6FA2B21-3FCD-4721-B95C-427943F61125}" type="datetime1">
               <a:rPr lang="en-US" smtClean="0"/>
-              <a:t>6/30/19</a:t>
+              <a:t>7/20/19</a:t>
             </a:fld>
             <a:endParaRPr lang="en-US"/>
           </a:p>
@@ -19086,7 +19091,7 @@
           <a:p>
             <a:fld id="{F6FA2B21-3FCD-4721-B95C-427943F61125}" type="datetime1">
               <a:rPr lang="en-US" smtClean="0"/>
-              <a:t>6/30/19</a:t>
+              <a:t>7/20/19</a:t>
             </a:fld>
             <a:endParaRPr lang="en-US"/>
           </a:p>
@@ -19442,7 +19447,7 @@
           <a:p>
             <a:fld id="{F6FA2B21-3FCD-4721-B95C-427943F61125}" type="datetime1">
               <a:rPr lang="en-US" smtClean="0"/>
-              <a:t>6/30/19</a:t>
+              <a:t>7/20/19</a:t>
             </a:fld>
             <a:endParaRPr lang="en-US"/>
           </a:p>
@@ -20678,7 +20683,7 @@
           <a:noFill/>
           <a:ln>
             <a:solidFill>
-              <a:srgbClr val="00B050"/>
+              <a:srgbClr val="C00000"/>
             </a:solidFill>
           </a:ln>
         </p:spPr>
@@ -20896,10 +20901,10 @@
       </p:sp>
       <p:pic>
         <p:nvPicPr>
-          <p:cNvPr id="8" name="圖片 7">
+          <p:cNvPr id="2" name="圖片 1">
             <a:extLst>
               <a:ext uri="{FF2B5EF4-FFF2-40B4-BE49-F238E27FC236}">
-                <a16:creationId xmlns:a16="http://schemas.microsoft.com/office/drawing/2014/main" id="{85BCAFC5-3693-E346-9E8F-8EDD1B156B52}"/>
+                <a16:creationId xmlns:a16="http://schemas.microsoft.com/office/drawing/2014/main" id="{328960AA-A190-2A49-B736-5F208D7CB1AE}"/>
               </a:ext>
             </a:extLst>
           </p:cNvPr>
@@ -20916,20 +20921,25 @@
         </p:blipFill>
         <p:spPr>
           <a:xfrm>
-            <a:off x="2700299" y="372647"/>
-            <a:ext cx="3009900" cy="4752975"/>
+            <a:off x="2591397" y="0"/>
+            <a:ext cx="2886132" cy="5715000"/>
           </a:xfrm>
           <a:prstGeom prst="rect">
             <a:avLst/>
           </a:prstGeom>
+          <a:ln>
+            <a:solidFill>
+              <a:schemeClr val="accent1"/>
+            </a:solidFill>
+          </a:ln>
         </p:spPr>
       </p:pic>
       <p:pic>
         <p:nvPicPr>
-          <p:cNvPr id="9" name="圖片 8">
+          <p:cNvPr id="3" name="圖片 2">
             <a:extLst>
               <a:ext uri="{FF2B5EF4-FFF2-40B4-BE49-F238E27FC236}">
-                <a16:creationId xmlns:a16="http://schemas.microsoft.com/office/drawing/2014/main" id="{4D72DEB3-5432-7E4A-84C8-DEF6137EBC70}"/>
+                <a16:creationId xmlns:a16="http://schemas.microsoft.com/office/drawing/2014/main" id="{B3A714DC-13D3-9C46-A16E-5691425BA0E8}"/>
               </a:ext>
             </a:extLst>
           </p:cNvPr>
@@ -20946,12 +20956,17 @@
         </p:blipFill>
         <p:spPr>
           <a:xfrm>
-            <a:off x="5947089" y="401222"/>
-            <a:ext cx="3048000" cy="4724400"/>
+            <a:off x="5675565" y="0"/>
+            <a:ext cx="2869069" cy="5715000"/>
           </a:xfrm>
           <a:prstGeom prst="rect">
             <a:avLst/>
           </a:prstGeom>
+          <a:ln>
+            <a:solidFill>
+              <a:schemeClr val="accent1"/>
+            </a:solidFill>
+          </a:ln>
         </p:spPr>
       </p:pic>
     </p:spTree>
@@ -20986,10 +21001,10 @@
       </p:grpSpPr>
       <p:pic>
         <p:nvPicPr>
-          <p:cNvPr id="2" name="圖片 1">
+          <p:cNvPr id="4" name="圖片 3">
             <a:extLst>
               <a:ext uri="{FF2B5EF4-FFF2-40B4-BE49-F238E27FC236}">
-                <a16:creationId xmlns:a16="http://schemas.microsoft.com/office/drawing/2014/main" id="{BE1A9CB6-6FA1-FA4F-8CFE-C0D2D01F9061}"/>
+                <a16:creationId xmlns:a16="http://schemas.microsoft.com/office/drawing/2014/main" id="{95ED5A65-F887-DE46-9BD7-484A53923948}"/>
               </a:ext>
             </a:extLst>
           </p:cNvPr>
@@ -21006,25 +21021,25 @@
         </p:blipFill>
         <p:spPr>
           <a:xfrm>
-            <a:off x="624455" y="1290636"/>
-            <a:ext cx="3800475" cy="3133725"/>
+            <a:off x="95693" y="315063"/>
+            <a:ext cx="5384800" cy="2921000"/>
           </a:xfrm>
           <a:prstGeom prst="rect">
             <a:avLst/>
           </a:prstGeom>
           <a:ln>
             <a:solidFill>
-              <a:schemeClr val="accent2"/>
+              <a:srgbClr val="C00000"/>
             </a:solidFill>
           </a:ln>
         </p:spPr>
       </p:pic>
       <p:pic>
         <p:nvPicPr>
-          <p:cNvPr id="3" name="圖片 2">
+          <p:cNvPr id="5" name="圖片 4">
             <a:extLst>
               <a:ext uri="{FF2B5EF4-FFF2-40B4-BE49-F238E27FC236}">
-                <a16:creationId xmlns:a16="http://schemas.microsoft.com/office/drawing/2014/main" id="{6BDB0E05-ADB6-2445-A692-09C2C87884DC}"/>
+                <a16:creationId xmlns:a16="http://schemas.microsoft.com/office/drawing/2014/main" id="{CD2EE464-974D-AB40-B085-CF2780FFA6DF}"/>
               </a:ext>
             </a:extLst>
           </p:cNvPr>
@@ -21041,12 +21056,17 @@
         </p:blipFill>
         <p:spPr>
           <a:xfrm>
-            <a:off x="5052358" y="481012"/>
-            <a:ext cx="3009900" cy="4752975"/>
+            <a:off x="5586741" y="0"/>
+            <a:ext cx="2886132" cy="5715000"/>
           </a:xfrm>
           <a:prstGeom prst="rect">
             <a:avLst/>
           </a:prstGeom>
+          <a:ln>
+            <a:solidFill>
+              <a:schemeClr val="accent1"/>
+            </a:solidFill>
+          </a:ln>
         </p:spPr>
       </p:pic>
     </p:spTree>
